--- a/linearAlgebraStepByStep/figs/SVD_UDV.pptx
+++ b/linearAlgebraStepByStep/figs/SVD_UDV.pptx
@@ -3095,139 +3095,29 @@
           <a:chExt cx="0" cy="0"/>
         </a:xfrm>
       </p:grpSpPr>
-      <p:sp>
-        <p:nvSpPr>
-          <p:cNvPr id="5" name="TextBox 4"/>
-          <p:cNvSpPr txBox="1"/>
-          <p:nvPr/>
-        </p:nvSpPr>
-        <p:spPr>
-          <a:xfrm>
-            <a:off x="403400" y="1936085"/>
-            <a:ext cx="662634" cy="369332"/>
-          </a:xfrm>
-          <a:prstGeom prst="rect">
-            <a:avLst/>
-          </a:prstGeom>
-          <a:noFill/>
-        </p:spPr>
-        <p:txBody>
-          <a:bodyPr wrap="square" rtlCol="0">
-            <a:spAutoFit/>
-          </a:bodyPr>
-          <a:lstStyle/>
-          <a:p>
-            <a:pPr algn="ctr"/>
-            <a:r>
-              <a:rPr lang="en-US" dirty="0" smtClean="0"/>
-              <a:t>m</a:t>
-            </a:r>
-            <a:endParaRPr lang="en-US" dirty="0"/>
-          </a:p>
-        </p:txBody>
-      </p:sp>
-      <p:sp>
-        <p:nvSpPr>
-          <p:cNvPr id="7" name="TextBox 6"/>
-          <p:cNvSpPr txBox="1"/>
-          <p:nvPr/>
-        </p:nvSpPr>
-        <p:spPr>
-          <a:xfrm>
-            <a:off x="1663609" y="1797586"/>
-            <a:ext cx="662634" cy="646331"/>
-          </a:xfrm>
-          <a:prstGeom prst="rect">
-            <a:avLst/>
-          </a:prstGeom>
-          <a:noFill/>
-        </p:spPr>
-        <p:txBody>
-          <a:bodyPr wrap="square" rtlCol="0">
-            <a:spAutoFit/>
-          </a:bodyPr>
-          <a:lstStyle/>
-          <a:p>
-            <a:pPr algn="ctr"/>
-            <a:r>
-              <a:rPr lang="en-US" sz="3600" dirty="0"/>
-              <a:t>=</a:t>
-            </a:r>
-          </a:p>
-        </p:txBody>
-      </p:sp>
       <p:grpSp>
         <p:nvGrpSpPr>
-          <p:cNvPr id="32" name="Group 31"/>
+          <p:cNvPr id="36" name="Group 35"/>
           <p:cNvGrpSpPr/>
           <p:nvPr/>
         </p:nvGrpSpPr>
         <p:grpSpPr>
           <a:xfrm>
-            <a:off x="930755" y="1125995"/>
-            <a:ext cx="720000" cy="1862398"/>
-            <a:chOff x="930755" y="1125995"/>
-            <a:chExt cx="720000" cy="1862398"/>
+            <a:off x="403400" y="1125995"/>
+            <a:ext cx="6206183" cy="1862398"/>
+            <a:chOff x="403400" y="1125995"/>
+            <a:chExt cx="6206183" cy="1862398"/>
           </a:xfrm>
         </p:grpSpPr>
         <p:sp>
           <p:nvSpPr>
-            <p:cNvPr id="4" name="Rectangle 3"/>
-            <p:cNvSpPr/>
-            <p:nvPr/>
-          </p:nvSpPr>
-          <p:spPr>
-            <a:xfrm>
-              <a:off x="930755" y="1580751"/>
-              <a:ext cx="720000" cy="1080000"/>
-            </a:xfrm>
-            <a:prstGeom prst="rect">
-              <a:avLst/>
-            </a:prstGeom>
-            <a:solidFill>
-              <a:srgbClr val="C0504D"/>
-            </a:solidFill>
-            <a:ln>
-              <a:solidFill>
-                <a:schemeClr val="tx1">
-                  <a:lumMod val="65000"/>
-                  <a:lumOff val="35000"/>
-                </a:schemeClr>
-              </a:solidFill>
-            </a:ln>
-          </p:spPr>
-          <p:style>
-            <a:lnRef idx="2">
-              <a:schemeClr val="dk1"/>
-            </a:lnRef>
-            <a:fillRef idx="1">
-              <a:schemeClr val="lt1"/>
-            </a:fillRef>
-            <a:effectRef idx="0">
-              <a:schemeClr val="dk1"/>
-            </a:effectRef>
-            <a:fontRef idx="minor">
-              <a:schemeClr val="dk1"/>
-            </a:fontRef>
-          </p:style>
-          <p:txBody>
-            <a:bodyPr rtlCol="0" anchor="ctr"/>
-            <a:lstStyle/>
-            <a:p>
-              <a:pPr algn="ctr"/>
-              <a:endParaRPr lang="en-US"/>
-            </a:p>
-          </p:txBody>
-        </p:sp>
-        <p:sp>
-          <p:nvSpPr>
-            <p:cNvPr id="6" name="TextBox 5"/>
+            <p:cNvPr id="5" name="TextBox 4"/>
             <p:cNvSpPr txBox="1"/>
             <p:nvPr/>
           </p:nvSpPr>
           <p:spPr>
             <a:xfrm>
-              <a:off x="959438" y="2619061"/>
+              <a:off x="403400" y="1936085"/>
               <a:ext cx="662634" cy="369332"/>
             </a:xfrm>
             <a:prstGeom prst="rect">
@@ -3243,8 +3133,8 @@
             <a:p>
               <a:pPr algn="ctr"/>
               <a:r>
-                <a:rPr lang="en-US" dirty="0"/>
-                <a:t>n</a:t>
+                <a:rPr lang="en-US" dirty="0" smtClean="0"/>
+                <a:t>m</a:t>
               </a:r>
               <a:endParaRPr lang="en-US" dirty="0"/>
             </a:p>
@@ -3252,14 +3142,14 @@
         </p:sp>
         <p:sp>
           <p:nvSpPr>
-            <p:cNvPr id="8" name="TextBox 7"/>
+            <p:cNvPr id="7" name="TextBox 6"/>
             <p:cNvSpPr txBox="1"/>
             <p:nvPr/>
           </p:nvSpPr>
           <p:spPr>
             <a:xfrm>
-              <a:off x="959438" y="1125995"/>
-              <a:ext cx="662634" cy="461665"/>
+              <a:off x="1663609" y="1797586"/>
+              <a:ext cx="662634" cy="646331"/>
             </a:xfrm>
             <a:prstGeom prst="rect">
               <a:avLst/>
@@ -3274,215 +3164,167 @@
             <a:p>
               <a:pPr algn="ctr"/>
               <a:r>
-                <a:rPr lang="en-US" sz="2400" dirty="0"/>
-                <a:t>A</a:t>
+                <a:rPr lang="en-US" sz="3600" dirty="0"/>
+                <a:t>=</a:t>
               </a:r>
             </a:p>
           </p:txBody>
         </p:sp>
-      </p:grpSp>
-      <p:grpSp>
-        <p:nvGrpSpPr>
-          <p:cNvPr id="33" name="Group 32"/>
-          <p:cNvGrpSpPr/>
-          <p:nvPr/>
-        </p:nvGrpSpPr>
-        <p:grpSpPr>
-          <a:xfrm>
-            <a:off x="2339097" y="1125995"/>
-            <a:ext cx="1080000" cy="1520956"/>
-            <a:chOff x="2404750" y="1125995"/>
-            <a:chExt cx="1080000" cy="1520956"/>
-          </a:xfrm>
-        </p:grpSpPr>
-        <p:sp>
-          <p:nvSpPr>
-            <p:cNvPr id="9" name="Rectangle 8"/>
-            <p:cNvSpPr/>
-            <p:nvPr/>
-          </p:nvSpPr>
-          <p:spPr>
-            <a:xfrm rot="5400000">
-              <a:off x="2418550" y="1580751"/>
-              <a:ext cx="1052400" cy="1080000"/>
-            </a:xfrm>
-            <a:prstGeom prst="rect">
-              <a:avLst/>
-            </a:prstGeom>
-            <a:solidFill>
-              <a:schemeClr val="tx2">
-                <a:lumMod val="20000"/>
-                <a:lumOff val="80000"/>
-              </a:schemeClr>
-            </a:solidFill>
-            <a:ln>
-              <a:solidFill>
-                <a:schemeClr val="tx1">
-                  <a:lumMod val="65000"/>
-                  <a:lumOff val="35000"/>
-                </a:schemeClr>
-              </a:solidFill>
-            </a:ln>
-          </p:spPr>
-          <p:style>
-            <a:lnRef idx="2">
-              <a:schemeClr val="dk1"/>
-            </a:lnRef>
-            <a:fillRef idx="1">
-              <a:schemeClr val="lt1"/>
-            </a:fillRef>
-            <a:effectRef idx="0">
-              <a:schemeClr val="dk1"/>
-            </a:effectRef>
-            <a:fontRef idx="minor">
-              <a:schemeClr val="dk1"/>
-            </a:fontRef>
-          </p:style>
-          <p:txBody>
-            <a:bodyPr rtlCol="0" anchor="ctr"/>
-            <a:lstStyle/>
-            <a:p>
-              <a:pPr algn="ctr"/>
-              <a:endParaRPr lang="en-US"/>
-            </a:p>
-          </p:txBody>
-        </p:sp>
-        <p:sp>
-          <p:nvSpPr>
-            <p:cNvPr id="10" name="TextBox 9"/>
-            <p:cNvSpPr txBox="1"/>
-            <p:nvPr/>
-          </p:nvSpPr>
-          <p:spPr>
-            <a:xfrm>
-              <a:off x="2613433" y="1125995"/>
-              <a:ext cx="662634" cy="461665"/>
-            </a:xfrm>
-            <a:prstGeom prst="rect">
-              <a:avLst/>
-            </a:prstGeom>
-            <a:noFill/>
-          </p:spPr>
-          <p:txBody>
-            <a:bodyPr wrap="square" rtlCol="0">
-              <a:spAutoFit/>
-            </a:bodyPr>
-            <a:lstStyle/>
-            <a:p>
-              <a:pPr algn="ctr"/>
-              <a:r>
-                <a:rPr lang="en-US" sz="2400" dirty="0" smtClean="0"/>
-                <a:t>U</a:t>
-              </a:r>
-              <a:endParaRPr lang="en-US" sz="2400" dirty="0"/>
-            </a:p>
-          </p:txBody>
-        </p:sp>
-      </p:grpSp>
-      <p:sp>
-        <p:nvSpPr>
-          <p:cNvPr id="11" name="TextBox 10"/>
-          <p:cNvSpPr txBox="1"/>
-          <p:nvPr/>
-        </p:nvSpPr>
-        <p:spPr>
-          <a:xfrm>
-            <a:off x="3431951" y="1797586"/>
-            <a:ext cx="662634" cy="646331"/>
-          </a:xfrm>
-          <a:prstGeom prst="rect">
-            <a:avLst/>
-          </a:prstGeom>
-          <a:noFill/>
-        </p:spPr>
-        <p:txBody>
-          <a:bodyPr wrap="square" rtlCol="0">
-            <a:spAutoFit/>
-          </a:bodyPr>
-          <a:lstStyle/>
-          <a:p>
-            <a:pPr algn="ctr"/>
-            <a:r>
-              <a:rPr lang="en-US" sz="3600" dirty="0"/>
-              <a:t>x</a:t>
-            </a:r>
-          </a:p>
-        </p:txBody>
-      </p:sp>
-      <p:sp>
-        <p:nvSpPr>
-          <p:cNvPr id="29" name="TextBox 28"/>
-          <p:cNvSpPr txBox="1"/>
-          <p:nvPr/>
-        </p:nvSpPr>
-        <p:spPr>
-          <a:xfrm>
-            <a:off x="5214097" y="1797586"/>
-            <a:ext cx="662634" cy="646331"/>
-          </a:xfrm>
-          <a:prstGeom prst="rect">
-            <a:avLst/>
-          </a:prstGeom>
-          <a:noFill/>
-        </p:spPr>
-        <p:txBody>
-          <a:bodyPr wrap="square" rtlCol="0">
-            <a:spAutoFit/>
-          </a:bodyPr>
-          <a:lstStyle/>
-          <a:p>
-            <a:pPr algn="ctr"/>
-            <a:r>
-              <a:rPr lang="en-US" sz="3600" dirty="0"/>
-              <a:t>x</a:t>
-            </a:r>
-          </a:p>
-        </p:txBody>
-      </p:sp>
-      <p:grpSp>
-        <p:nvGrpSpPr>
-          <p:cNvPr id="34" name="Group 33"/>
-          <p:cNvGrpSpPr/>
-          <p:nvPr/>
-        </p:nvGrpSpPr>
-        <p:grpSpPr>
-          <a:xfrm>
-            <a:off x="4107439" y="1125995"/>
-            <a:ext cx="1093804" cy="1534756"/>
-            <a:chOff x="4068694" y="1125995"/>
-            <a:chExt cx="1093804" cy="1534756"/>
-          </a:xfrm>
-        </p:grpSpPr>
         <p:grpSp>
           <p:nvGrpSpPr>
-            <p:cNvPr id="27" name="Group 26"/>
+            <p:cNvPr id="32" name="Group 31"/>
             <p:cNvGrpSpPr/>
             <p:nvPr/>
           </p:nvGrpSpPr>
           <p:grpSpPr>
             <a:xfrm>
-              <a:off x="4068694" y="1580751"/>
-              <a:ext cx="1093804" cy="1080000"/>
-              <a:chOff x="4327392" y="1573842"/>
-              <a:chExt cx="1093804" cy="1080000"/>
+              <a:off x="930755" y="1125995"/>
+              <a:ext cx="720000" cy="1862398"/>
+              <a:chOff x="930755" y="1125995"/>
+              <a:chExt cx="720000" cy="1862398"/>
             </a:xfrm>
           </p:grpSpPr>
           <p:sp>
             <p:nvSpPr>
-              <p:cNvPr id="12" name="Rectangle 11"/>
+              <p:cNvPr id="4" name="Rectangle 3"/>
+              <p:cNvSpPr/>
+              <p:nvPr/>
+            </p:nvSpPr>
+            <p:spPr>
+              <a:xfrm>
+                <a:off x="930755" y="1580751"/>
+                <a:ext cx="720000" cy="1080000"/>
+              </a:xfrm>
+              <a:prstGeom prst="rect">
+                <a:avLst/>
+              </a:prstGeom>
+              <a:solidFill>
+                <a:srgbClr val="C0504D"/>
+              </a:solidFill>
+              <a:ln>
+                <a:solidFill>
+                  <a:schemeClr val="tx1">
+                    <a:lumMod val="65000"/>
+                    <a:lumOff val="35000"/>
+                  </a:schemeClr>
+                </a:solidFill>
+              </a:ln>
+            </p:spPr>
+            <p:style>
+              <a:lnRef idx="2">
+                <a:schemeClr val="dk1"/>
+              </a:lnRef>
+              <a:fillRef idx="1">
+                <a:schemeClr val="lt1"/>
+              </a:fillRef>
+              <a:effectRef idx="0">
+                <a:schemeClr val="dk1"/>
+              </a:effectRef>
+              <a:fontRef idx="minor">
+                <a:schemeClr val="dk1"/>
+              </a:fontRef>
+            </p:style>
+            <p:txBody>
+              <a:bodyPr rtlCol="0" anchor="ctr"/>
+              <a:lstStyle/>
+              <a:p>
+                <a:pPr algn="ctr"/>
+                <a:endParaRPr lang="en-US"/>
+              </a:p>
+            </p:txBody>
+          </p:sp>
+          <p:sp>
+            <p:nvSpPr>
+              <p:cNvPr id="6" name="TextBox 5"/>
+              <p:cNvSpPr txBox="1"/>
+              <p:nvPr/>
+            </p:nvSpPr>
+            <p:spPr>
+              <a:xfrm>
+                <a:off x="959438" y="2619061"/>
+                <a:ext cx="662634" cy="369332"/>
+              </a:xfrm>
+              <a:prstGeom prst="rect">
+                <a:avLst/>
+              </a:prstGeom>
+              <a:noFill/>
+            </p:spPr>
+            <p:txBody>
+              <a:bodyPr wrap="square" rtlCol="0">
+                <a:spAutoFit/>
+              </a:bodyPr>
+              <a:lstStyle/>
+              <a:p>
+                <a:pPr algn="ctr"/>
+                <a:r>
+                  <a:rPr lang="en-US" dirty="0"/>
+                  <a:t>n</a:t>
+                </a:r>
+                <a:endParaRPr lang="en-US" dirty="0"/>
+              </a:p>
+            </p:txBody>
+          </p:sp>
+          <p:sp>
+            <p:nvSpPr>
+              <p:cNvPr id="8" name="TextBox 7"/>
+              <p:cNvSpPr txBox="1"/>
+              <p:nvPr/>
+            </p:nvSpPr>
+            <p:spPr>
+              <a:xfrm>
+                <a:off x="959438" y="1125995"/>
+                <a:ext cx="662634" cy="461665"/>
+              </a:xfrm>
+              <a:prstGeom prst="rect">
+                <a:avLst/>
+              </a:prstGeom>
+              <a:noFill/>
+            </p:spPr>
+            <p:txBody>
+              <a:bodyPr wrap="square" rtlCol="0">
+                <a:spAutoFit/>
+              </a:bodyPr>
+              <a:lstStyle/>
+              <a:p>
+                <a:pPr algn="ctr"/>
+                <a:r>
+                  <a:rPr lang="en-US" sz="2400" dirty="0"/>
+                  <a:t>A</a:t>
+                </a:r>
+              </a:p>
+            </p:txBody>
+          </p:sp>
+        </p:grpSp>
+        <p:grpSp>
+          <p:nvGrpSpPr>
+            <p:cNvPr id="33" name="Group 32"/>
+            <p:cNvGrpSpPr/>
+            <p:nvPr/>
+          </p:nvGrpSpPr>
+          <p:grpSpPr>
+            <a:xfrm>
+              <a:off x="2339097" y="1125995"/>
+              <a:ext cx="1080000" cy="1520956"/>
+              <a:chOff x="2404750" y="1125995"/>
+              <a:chExt cx="1080000" cy="1520956"/>
+            </a:xfrm>
+          </p:grpSpPr>
+          <p:sp>
+            <p:nvSpPr>
+              <p:cNvPr id="9" name="Rectangle 8"/>
               <p:cNvSpPr/>
               <p:nvPr/>
             </p:nvSpPr>
             <p:spPr>
               <a:xfrm rot="5400000">
-                <a:off x="4333860" y="1573842"/>
-                <a:ext cx="1080000" cy="1080000"/>
+                <a:off x="2418550" y="1580751"/>
+                <a:ext cx="1052400" cy="1080000"/>
               </a:xfrm>
               <a:prstGeom prst="rect">
                 <a:avLst/>
               </a:prstGeom>
               <a:solidFill>
-                <a:schemeClr val="accent3">
+                <a:schemeClr val="tx2">
                   <a:lumMod val="20000"/>
                   <a:lumOff val="80000"/>
                 </a:schemeClr>
@@ -3519,106 +3361,16 @@
               </a:p>
             </p:txBody>
           </p:sp>
-          <p:cxnSp>
-            <p:nvCxnSpPr>
-              <p:cNvPr id="15" name="Straight Connector 14"/>
-              <p:cNvCxnSpPr/>
-              <p:nvPr/>
-            </p:nvCxnSpPr>
-            <p:spPr>
-              <a:xfrm>
-                <a:off x="5053859" y="1573842"/>
-                <a:ext cx="0" cy="1080000"/>
-              </a:xfrm>
-              <a:prstGeom prst="line">
-                <a:avLst/>
-              </a:prstGeom>
-            </p:spPr>
-            <p:style>
-              <a:lnRef idx="1">
-                <a:schemeClr val="dk1"/>
-              </a:lnRef>
-              <a:fillRef idx="0">
-                <a:schemeClr val="dk1"/>
-              </a:fillRef>
-              <a:effectRef idx="0">
-                <a:schemeClr val="dk1"/>
-              </a:effectRef>
-              <a:fontRef idx="minor">
-                <a:schemeClr val="tx1"/>
-              </a:fontRef>
-            </p:style>
-          </p:cxnSp>
-          <p:cxnSp>
-            <p:nvCxnSpPr>
-              <p:cNvPr id="16" name="Straight Connector 15"/>
-              <p:cNvCxnSpPr/>
-              <p:nvPr/>
-            </p:nvCxnSpPr>
-            <p:spPr>
-              <a:xfrm flipH="1">
-                <a:off x="4341196" y="2314445"/>
-                <a:ext cx="1080000" cy="0"/>
-              </a:xfrm>
-              <a:prstGeom prst="line">
-                <a:avLst/>
-              </a:prstGeom>
-            </p:spPr>
-            <p:style>
-              <a:lnRef idx="1">
-                <a:schemeClr val="dk1"/>
-              </a:lnRef>
-              <a:fillRef idx="0">
-                <a:schemeClr val="dk1"/>
-              </a:fillRef>
-              <a:effectRef idx="0">
-                <a:schemeClr val="dk1"/>
-              </a:effectRef>
-              <a:fontRef idx="minor">
-                <a:schemeClr val="tx1"/>
-              </a:fontRef>
-            </p:style>
-          </p:cxnSp>
-          <p:cxnSp>
-            <p:nvCxnSpPr>
-              <p:cNvPr id="20" name="Straight Connector 19"/>
-              <p:cNvCxnSpPr/>
-              <p:nvPr/>
-            </p:nvCxnSpPr>
-            <p:spPr>
-              <a:xfrm>
-                <a:off x="4327392" y="1573842"/>
-                <a:ext cx="726467" cy="740603"/>
-              </a:xfrm>
-              <a:prstGeom prst="line">
-                <a:avLst/>
-              </a:prstGeom>
-            </p:spPr>
-            <p:style>
-              <a:lnRef idx="1">
-                <a:schemeClr val="dk1"/>
-              </a:lnRef>
-              <a:fillRef idx="0">
-                <a:schemeClr val="dk1"/>
-              </a:fillRef>
-              <a:effectRef idx="0">
-                <a:schemeClr val="dk1"/>
-              </a:effectRef>
-              <a:fontRef idx="minor">
-                <a:schemeClr val="tx1"/>
-              </a:fontRef>
-            </p:style>
-          </p:cxnSp>
           <p:sp>
             <p:nvSpPr>
-              <p:cNvPr id="24" name="TextBox 23"/>
+              <p:cNvPr id="10" name="TextBox 9"/>
               <p:cNvSpPr txBox="1"/>
               <p:nvPr/>
             </p:nvSpPr>
             <p:spPr>
               <a:xfrm>
-                <a:off x="5077688" y="1733561"/>
-                <a:ext cx="284749" cy="369332"/>
+                <a:off x="2613433" y="1125995"/>
+                <a:ext cx="662634" cy="461665"/>
               </a:xfrm>
               <a:prstGeom prst="rect">
                 <a:avLst/>
@@ -3633,23 +3385,348 @@
               <a:p>
                 <a:pPr algn="ctr"/>
                 <a:r>
-                  <a:rPr lang="en-US" dirty="0" smtClean="0"/>
-                  <a:t>0</a:t>
+                  <a:rPr lang="en-US" sz="2400" dirty="0" smtClean="0"/>
+                  <a:t>U</a:t>
                 </a:r>
-                <a:endParaRPr lang="en-US" dirty="0"/>
+                <a:endParaRPr lang="en-US" sz="2400" dirty="0"/>
               </a:p>
             </p:txBody>
           </p:sp>
+        </p:grpSp>
+        <p:sp>
+          <p:nvSpPr>
+            <p:cNvPr id="11" name="TextBox 10"/>
+            <p:cNvSpPr txBox="1"/>
+            <p:nvPr/>
+          </p:nvSpPr>
+          <p:spPr>
+            <a:xfrm>
+              <a:off x="3431951" y="1797586"/>
+              <a:ext cx="662634" cy="646331"/>
+            </a:xfrm>
+            <a:prstGeom prst="rect">
+              <a:avLst/>
+            </a:prstGeom>
+            <a:noFill/>
+          </p:spPr>
+          <p:txBody>
+            <a:bodyPr wrap="square" rtlCol="0">
+              <a:spAutoFit/>
+            </a:bodyPr>
+            <a:lstStyle/>
+            <a:p>
+              <a:pPr algn="ctr"/>
+              <a:r>
+                <a:rPr lang="en-US" sz="3600" dirty="0"/>
+                <a:t>x</a:t>
+              </a:r>
+            </a:p>
+          </p:txBody>
+        </p:sp>
+        <p:sp>
+          <p:nvSpPr>
+            <p:cNvPr id="29" name="TextBox 28"/>
+            <p:cNvSpPr txBox="1"/>
+            <p:nvPr/>
+          </p:nvSpPr>
+          <p:spPr>
+            <a:xfrm>
+              <a:off x="5214097" y="1797586"/>
+              <a:ext cx="662634" cy="646331"/>
+            </a:xfrm>
+            <a:prstGeom prst="rect">
+              <a:avLst/>
+            </a:prstGeom>
+            <a:noFill/>
+          </p:spPr>
+          <p:txBody>
+            <a:bodyPr wrap="square" rtlCol="0">
+              <a:spAutoFit/>
+            </a:bodyPr>
+            <a:lstStyle/>
+            <a:p>
+              <a:pPr algn="ctr"/>
+              <a:r>
+                <a:rPr lang="en-US" sz="3600" dirty="0"/>
+                <a:t>x</a:t>
+              </a:r>
+            </a:p>
+          </p:txBody>
+        </p:sp>
+        <p:grpSp>
+          <p:nvGrpSpPr>
+            <p:cNvPr id="34" name="Group 33"/>
+            <p:cNvGrpSpPr/>
+            <p:nvPr/>
+          </p:nvGrpSpPr>
+          <p:grpSpPr>
+            <a:xfrm>
+              <a:off x="4107439" y="1125995"/>
+              <a:ext cx="1093804" cy="1534756"/>
+              <a:chOff x="4068694" y="1125995"/>
+              <a:chExt cx="1093804" cy="1534756"/>
+            </a:xfrm>
+          </p:grpSpPr>
+          <p:grpSp>
+            <p:nvGrpSpPr>
+              <p:cNvPr id="27" name="Group 26"/>
+              <p:cNvGrpSpPr/>
+              <p:nvPr/>
+            </p:nvGrpSpPr>
+            <p:grpSpPr>
+              <a:xfrm>
+                <a:off x="4068694" y="1580751"/>
+                <a:ext cx="1093804" cy="1080000"/>
+                <a:chOff x="4327392" y="1573842"/>
+                <a:chExt cx="1093804" cy="1080000"/>
+              </a:xfrm>
+            </p:grpSpPr>
+            <p:sp>
+              <p:nvSpPr>
+                <p:cNvPr id="12" name="Rectangle 11"/>
+                <p:cNvSpPr/>
+                <p:nvPr/>
+              </p:nvSpPr>
+              <p:spPr>
+                <a:xfrm rot="5400000">
+                  <a:off x="4333860" y="1573842"/>
+                  <a:ext cx="1080000" cy="1080000"/>
+                </a:xfrm>
+                <a:prstGeom prst="rect">
+                  <a:avLst/>
+                </a:prstGeom>
+                <a:solidFill>
+                  <a:schemeClr val="accent3">
+                    <a:lumMod val="20000"/>
+                    <a:lumOff val="80000"/>
+                  </a:schemeClr>
+                </a:solidFill>
+                <a:ln>
+                  <a:solidFill>
+                    <a:schemeClr val="tx1">
+                      <a:lumMod val="65000"/>
+                      <a:lumOff val="35000"/>
+                    </a:schemeClr>
+                  </a:solidFill>
+                </a:ln>
+              </p:spPr>
+              <p:style>
+                <a:lnRef idx="2">
+                  <a:schemeClr val="dk1"/>
+                </a:lnRef>
+                <a:fillRef idx="1">
+                  <a:schemeClr val="lt1"/>
+                </a:fillRef>
+                <a:effectRef idx="0">
+                  <a:schemeClr val="dk1"/>
+                </a:effectRef>
+                <a:fontRef idx="minor">
+                  <a:schemeClr val="dk1"/>
+                </a:fontRef>
+              </p:style>
+              <p:txBody>
+                <a:bodyPr rtlCol="0" anchor="ctr"/>
+                <a:lstStyle/>
+                <a:p>
+                  <a:pPr algn="ctr"/>
+                  <a:endParaRPr lang="en-US"/>
+                </a:p>
+              </p:txBody>
+            </p:sp>
+            <p:cxnSp>
+              <p:nvCxnSpPr>
+                <p:cNvPr id="15" name="Straight Connector 14"/>
+                <p:cNvCxnSpPr/>
+                <p:nvPr/>
+              </p:nvCxnSpPr>
+              <p:spPr>
+                <a:xfrm>
+                  <a:off x="5053859" y="1573842"/>
+                  <a:ext cx="0" cy="1080000"/>
+                </a:xfrm>
+                <a:prstGeom prst="line">
+                  <a:avLst/>
+                </a:prstGeom>
+              </p:spPr>
+              <p:style>
+                <a:lnRef idx="1">
+                  <a:schemeClr val="dk1"/>
+                </a:lnRef>
+                <a:fillRef idx="0">
+                  <a:schemeClr val="dk1"/>
+                </a:fillRef>
+                <a:effectRef idx="0">
+                  <a:schemeClr val="dk1"/>
+                </a:effectRef>
+                <a:fontRef idx="minor">
+                  <a:schemeClr val="tx1"/>
+                </a:fontRef>
+              </p:style>
+            </p:cxnSp>
+            <p:cxnSp>
+              <p:nvCxnSpPr>
+                <p:cNvPr id="16" name="Straight Connector 15"/>
+                <p:cNvCxnSpPr/>
+                <p:nvPr/>
+              </p:nvCxnSpPr>
+              <p:spPr>
+                <a:xfrm flipH="1">
+                  <a:off x="4341196" y="2314445"/>
+                  <a:ext cx="1080000" cy="0"/>
+                </a:xfrm>
+                <a:prstGeom prst="line">
+                  <a:avLst/>
+                </a:prstGeom>
+              </p:spPr>
+              <p:style>
+                <a:lnRef idx="1">
+                  <a:schemeClr val="dk1"/>
+                </a:lnRef>
+                <a:fillRef idx="0">
+                  <a:schemeClr val="dk1"/>
+                </a:fillRef>
+                <a:effectRef idx="0">
+                  <a:schemeClr val="dk1"/>
+                </a:effectRef>
+                <a:fontRef idx="minor">
+                  <a:schemeClr val="tx1"/>
+                </a:fontRef>
+              </p:style>
+            </p:cxnSp>
+            <p:cxnSp>
+              <p:nvCxnSpPr>
+                <p:cNvPr id="20" name="Straight Connector 19"/>
+                <p:cNvCxnSpPr/>
+                <p:nvPr/>
+              </p:nvCxnSpPr>
+              <p:spPr>
+                <a:xfrm>
+                  <a:off x="4327392" y="1573842"/>
+                  <a:ext cx="726467" cy="740603"/>
+                </a:xfrm>
+                <a:prstGeom prst="line">
+                  <a:avLst/>
+                </a:prstGeom>
+              </p:spPr>
+              <p:style>
+                <a:lnRef idx="1">
+                  <a:schemeClr val="dk1"/>
+                </a:lnRef>
+                <a:fillRef idx="0">
+                  <a:schemeClr val="dk1"/>
+                </a:fillRef>
+                <a:effectRef idx="0">
+                  <a:schemeClr val="dk1"/>
+                </a:effectRef>
+                <a:fontRef idx="minor">
+                  <a:schemeClr val="tx1"/>
+                </a:fontRef>
+              </p:style>
+            </p:cxnSp>
+            <p:sp>
+              <p:nvSpPr>
+                <p:cNvPr id="24" name="TextBox 23"/>
+                <p:cNvSpPr txBox="1"/>
+                <p:nvPr/>
+              </p:nvSpPr>
+              <p:spPr>
+                <a:xfrm>
+                  <a:off x="5077688" y="1733561"/>
+                  <a:ext cx="284749" cy="369332"/>
+                </a:xfrm>
+                <a:prstGeom prst="rect">
+                  <a:avLst/>
+                </a:prstGeom>
+                <a:noFill/>
+              </p:spPr>
+              <p:txBody>
+                <a:bodyPr wrap="square" rtlCol="0">
+                  <a:spAutoFit/>
+                </a:bodyPr>
+                <a:lstStyle/>
+                <a:p>
+                  <a:pPr algn="ctr"/>
+                  <a:r>
+                    <a:rPr lang="en-US" dirty="0" smtClean="0"/>
+                    <a:t>0</a:t>
+                  </a:r>
+                  <a:endParaRPr lang="en-US" dirty="0"/>
+                </a:p>
+              </p:txBody>
+            </p:sp>
+            <p:sp>
+              <p:nvSpPr>
+                <p:cNvPr id="25" name="TextBox 24"/>
+                <p:cNvSpPr txBox="1"/>
+                <p:nvPr/>
+              </p:nvSpPr>
+              <p:spPr>
+                <a:xfrm>
+                  <a:off x="5077688" y="2284510"/>
+                  <a:ext cx="284749" cy="369332"/>
+                </a:xfrm>
+                <a:prstGeom prst="rect">
+                  <a:avLst/>
+                </a:prstGeom>
+                <a:noFill/>
+              </p:spPr>
+              <p:txBody>
+                <a:bodyPr wrap="square" rtlCol="0">
+                  <a:spAutoFit/>
+                </a:bodyPr>
+                <a:lstStyle/>
+                <a:p>
+                  <a:pPr algn="ctr"/>
+                  <a:r>
+                    <a:rPr lang="en-US" dirty="0" smtClean="0"/>
+                    <a:t>0</a:t>
+                  </a:r>
+                  <a:endParaRPr lang="en-US" dirty="0"/>
+                </a:p>
+              </p:txBody>
+            </p:sp>
+            <p:sp>
+              <p:nvSpPr>
+                <p:cNvPr id="26" name="TextBox 25"/>
+                <p:cNvSpPr txBox="1"/>
+                <p:nvPr/>
+              </p:nvSpPr>
+              <p:spPr>
+                <a:xfrm>
+                  <a:off x="4563776" y="2284510"/>
+                  <a:ext cx="284749" cy="369332"/>
+                </a:xfrm>
+                <a:prstGeom prst="rect">
+                  <a:avLst/>
+                </a:prstGeom>
+                <a:noFill/>
+              </p:spPr>
+              <p:txBody>
+                <a:bodyPr wrap="square" rtlCol="0">
+                  <a:spAutoFit/>
+                </a:bodyPr>
+                <a:lstStyle/>
+                <a:p>
+                  <a:pPr algn="ctr"/>
+                  <a:r>
+                    <a:rPr lang="en-US" dirty="0" smtClean="0"/>
+                    <a:t>0</a:t>
+                  </a:r>
+                  <a:endParaRPr lang="en-US" dirty="0"/>
+                </a:p>
+              </p:txBody>
+            </p:sp>
+          </p:grpSp>
           <p:sp>
             <p:nvSpPr>
-              <p:cNvPr id="25" name="TextBox 24"/>
+              <p:cNvPr id="30" name="TextBox 29"/>
               <p:cNvSpPr txBox="1"/>
               <p:nvPr/>
             </p:nvSpPr>
             <p:spPr>
               <a:xfrm>
-                <a:off x="5077688" y="2284510"/>
-                <a:ext cx="284749" cy="369332"/>
+                <a:off x="4284279" y="1125995"/>
+                <a:ext cx="662634" cy="461665"/>
               </a:xfrm>
               <a:prstGeom prst="rect">
                 <a:avLst/>
@@ -3664,23 +3741,90 @@
               <a:p>
                 <a:pPr algn="ctr"/>
                 <a:r>
-                  <a:rPr lang="en-US" dirty="0" smtClean="0"/>
-                  <a:t>0</a:t>
+                  <a:rPr lang="en-US" sz="2400" dirty="0" smtClean="0"/>
+                  <a:t>D</a:t>
                 </a:r>
-                <a:endParaRPr lang="en-US" dirty="0"/>
+                <a:endParaRPr lang="en-US" sz="2400" dirty="0"/>
+              </a:p>
+            </p:txBody>
+          </p:sp>
+        </p:grpSp>
+        <p:grpSp>
+          <p:nvGrpSpPr>
+            <p:cNvPr id="35" name="Group 34"/>
+            <p:cNvGrpSpPr/>
+            <p:nvPr/>
+          </p:nvGrpSpPr>
+          <p:grpSpPr>
+            <a:xfrm>
+              <a:off x="5889583" y="1125995"/>
+              <a:ext cx="720000" cy="1354756"/>
+              <a:chOff x="5889583" y="1125995"/>
+              <a:chExt cx="720000" cy="1354756"/>
+            </a:xfrm>
+          </p:grpSpPr>
+          <p:sp>
+            <p:nvSpPr>
+              <p:cNvPr id="28" name="Rectangle 27"/>
+              <p:cNvSpPr/>
+              <p:nvPr/>
+            </p:nvSpPr>
+            <p:spPr>
+              <a:xfrm>
+                <a:off x="5889583" y="1760751"/>
+                <a:ext cx="720000" cy="720000"/>
+              </a:xfrm>
+              <a:prstGeom prst="rect">
+                <a:avLst/>
+              </a:prstGeom>
+              <a:solidFill>
+                <a:schemeClr val="accent4">
+                  <a:lumMod val="40000"/>
+                  <a:lumOff val="60000"/>
+                </a:schemeClr>
+              </a:solidFill>
+              <a:ln>
+                <a:solidFill>
+                  <a:schemeClr val="tx1">
+                    <a:lumMod val="65000"/>
+                    <a:lumOff val="35000"/>
+                  </a:schemeClr>
+                </a:solidFill>
+              </a:ln>
+            </p:spPr>
+            <p:style>
+              <a:lnRef idx="2">
+                <a:schemeClr val="dk1"/>
+              </a:lnRef>
+              <a:fillRef idx="1">
+                <a:schemeClr val="lt1"/>
+              </a:fillRef>
+              <a:effectRef idx="0">
+                <a:schemeClr val="dk1"/>
+              </a:effectRef>
+              <a:fontRef idx="minor">
+                <a:schemeClr val="dk1"/>
+              </a:fontRef>
+            </p:style>
+            <p:txBody>
+              <a:bodyPr rtlCol="0" anchor="ctr"/>
+              <a:lstStyle/>
+              <a:p>
+                <a:pPr algn="ctr"/>
+                <a:endParaRPr lang="en-US"/>
               </a:p>
             </p:txBody>
           </p:sp>
           <p:sp>
             <p:nvSpPr>
-              <p:cNvPr id="26" name="TextBox 25"/>
+              <p:cNvPr id="31" name="TextBox 30"/>
               <p:cNvSpPr txBox="1"/>
               <p:nvPr/>
             </p:nvSpPr>
             <p:spPr>
               <a:xfrm>
-                <a:off x="4563776" y="2284510"/>
-                <a:ext cx="284749" cy="369332"/>
+                <a:off x="5918266" y="1125995"/>
+                <a:ext cx="662634" cy="461665"/>
               </a:xfrm>
               <a:prstGeom prst="rect">
                 <a:avLst/>
@@ -3695,147 +3839,18 @@
               <a:p>
                 <a:pPr algn="ctr"/>
                 <a:r>
-                  <a:rPr lang="en-US" dirty="0" smtClean="0"/>
-                  <a:t>0</a:t>
+                  <a:rPr lang="en-US" sz="2400" dirty="0" smtClean="0"/>
+                  <a:t>V</a:t>
                 </a:r>
-                <a:endParaRPr lang="en-US" dirty="0"/>
+                <a:r>
+                  <a:rPr lang="en-US" sz="2400" baseline="30000" dirty="0" smtClean="0"/>
+                  <a:t>T</a:t>
+                </a:r>
+                <a:endParaRPr lang="en-US" sz="2400" dirty="0"/>
               </a:p>
             </p:txBody>
           </p:sp>
         </p:grpSp>
-        <p:sp>
-          <p:nvSpPr>
-            <p:cNvPr id="30" name="TextBox 29"/>
-            <p:cNvSpPr txBox="1"/>
-            <p:nvPr/>
-          </p:nvSpPr>
-          <p:spPr>
-            <a:xfrm>
-              <a:off x="4284279" y="1125995"/>
-              <a:ext cx="662634" cy="461665"/>
-            </a:xfrm>
-            <a:prstGeom prst="rect">
-              <a:avLst/>
-            </a:prstGeom>
-            <a:noFill/>
-          </p:spPr>
-          <p:txBody>
-            <a:bodyPr wrap="square" rtlCol="0">
-              <a:spAutoFit/>
-            </a:bodyPr>
-            <a:lstStyle/>
-            <a:p>
-              <a:pPr algn="ctr"/>
-              <a:r>
-                <a:rPr lang="en-US" sz="2400" dirty="0" smtClean="0"/>
-                <a:t>D</a:t>
-              </a:r>
-              <a:endParaRPr lang="en-US" sz="2400" dirty="0"/>
-            </a:p>
-          </p:txBody>
-        </p:sp>
-      </p:grpSp>
-      <p:grpSp>
-        <p:nvGrpSpPr>
-          <p:cNvPr id="35" name="Group 34"/>
-          <p:cNvGrpSpPr/>
-          <p:nvPr/>
-        </p:nvGrpSpPr>
-        <p:grpSpPr>
-          <a:xfrm>
-            <a:off x="5889583" y="1125995"/>
-            <a:ext cx="720000" cy="1354756"/>
-            <a:chOff x="5889583" y="1125995"/>
-            <a:chExt cx="720000" cy="1354756"/>
-          </a:xfrm>
-        </p:grpSpPr>
-        <p:sp>
-          <p:nvSpPr>
-            <p:cNvPr id="28" name="Rectangle 27"/>
-            <p:cNvSpPr/>
-            <p:nvPr/>
-          </p:nvSpPr>
-          <p:spPr>
-            <a:xfrm>
-              <a:off x="5889583" y="1760751"/>
-              <a:ext cx="720000" cy="720000"/>
-            </a:xfrm>
-            <a:prstGeom prst="rect">
-              <a:avLst/>
-            </a:prstGeom>
-            <a:solidFill>
-              <a:schemeClr val="accent4">
-                <a:lumMod val="40000"/>
-                <a:lumOff val="60000"/>
-              </a:schemeClr>
-            </a:solidFill>
-            <a:ln>
-              <a:solidFill>
-                <a:schemeClr val="tx1">
-                  <a:lumMod val="65000"/>
-                  <a:lumOff val="35000"/>
-                </a:schemeClr>
-              </a:solidFill>
-            </a:ln>
-          </p:spPr>
-          <p:style>
-            <a:lnRef idx="2">
-              <a:schemeClr val="dk1"/>
-            </a:lnRef>
-            <a:fillRef idx="1">
-              <a:schemeClr val="lt1"/>
-            </a:fillRef>
-            <a:effectRef idx="0">
-              <a:schemeClr val="dk1"/>
-            </a:effectRef>
-            <a:fontRef idx="minor">
-              <a:schemeClr val="dk1"/>
-            </a:fontRef>
-          </p:style>
-          <p:txBody>
-            <a:bodyPr rtlCol="0" anchor="ctr"/>
-            <a:lstStyle/>
-            <a:p>
-              <a:pPr algn="ctr"/>
-              <a:endParaRPr lang="en-US"/>
-            </a:p>
-          </p:txBody>
-        </p:sp>
-        <p:sp>
-          <p:nvSpPr>
-            <p:cNvPr id="31" name="TextBox 30"/>
-            <p:cNvSpPr txBox="1"/>
-            <p:nvPr/>
-          </p:nvSpPr>
-          <p:spPr>
-            <a:xfrm>
-              <a:off x="5918266" y="1125995"/>
-              <a:ext cx="662634" cy="461665"/>
-            </a:xfrm>
-            <a:prstGeom prst="rect">
-              <a:avLst/>
-            </a:prstGeom>
-            <a:noFill/>
-          </p:spPr>
-          <p:txBody>
-            <a:bodyPr wrap="square" rtlCol="0">
-              <a:spAutoFit/>
-            </a:bodyPr>
-            <a:lstStyle/>
-            <a:p>
-              <a:pPr algn="ctr"/>
-              <a:r>
-                <a:rPr lang="en-US" sz="2400" dirty="0" smtClean="0"/>
-                <a:t>V</a:t>
-              </a:r>
-              <a:r>
-                <a:rPr lang="en-US" sz="2400" baseline="30000" dirty="0" smtClean="0"/>
-                <a:t>T</a:t>
-              </a:r>
-              <a:endParaRPr lang="en-US" sz="2400" dirty="0"/>
-            </a:p>
-          </p:txBody>
-        </p:sp>
       </p:grpSp>
     </p:spTree>
     <p:extLst>
